--- a/content/reading-06-virtualization-containerization.pptx
+++ b/content/reading-06-virtualization-containerization.pptx
@@ -5,7 +5,7 @@
     <p:sldMasterId id="2147483660" r:id="rId1"/>
   </p:sldMasterIdLst>
   <p:notesMasterIdLst>
-    <p:notesMasterId r:id="rId27"/>
+    <p:notesMasterId r:id="rId29"/>
   </p:notesMasterIdLst>
   <p:sldIdLst>
     <p:sldId id="256" r:id="rId2"/>
@@ -32,7 +32,9 @@
     <p:sldId id="275" r:id="rId23"/>
     <p:sldId id="289" r:id="rId24"/>
     <p:sldId id="288" r:id="rId25"/>
-    <p:sldId id="290" r:id="rId26"/>
+    <p:sldId id="291" r:id="rId26"/>
+    <p:sldId id="290" r:id="rId27"/>
+    <p:sldId id="292" r:id="rId28"/>
   </p:sldIdLst>
   <p:sldSz cx="9144000" cy="6858000" type="screen4x3"/>
   <p:notesSz cx="6858000" cy="9144000"/>
@@ -131,6 +133,11 @@
       </a:defRPr>
     </a:lvl9pPr>
   </p:defaultTextStyle>
+  <p:extLst>
+    <p:ext uri="{EFAFB233-063F-42B5-8137-9DF3F51BA10A}">
+      <p15:sldGuideLst xmlns:p15="http://schemas.microsoft.com/office/powerpoint/2012/main"/>
+    </p:ext>
+  </p:extLst>
 </p:presentation>
 </file>
 
@@ -1108,6 +1115,13 @@
         </dgm:presLayoutVars>
       </dgm:prSet>
       <dgm:spPr/>
+      <dgm:t>
+        <a:bodyPr/>
+        <a:lstStyle/>
+        <a:p>
+          <a:endParaRPr lang="en-US"/>
+        </a:p>
+      </dgm:t>
     </dgm:pt>
     <dgm:pt modelId="{8D7C6A4A-33B3-4688-BD5F-F5E98168EEBA}" type="pres">
       <dgm:prSet presAssocID="{70079203-35D9-4575-9979-A045DBD35BFF}" presName="spacerL" presStyleCnt="0"/>
@@ -1116,18 +1130,32 @@
     <dgm:pt modelId="{BC264EA7-A3C5-4F84-8138-665CE06E5509}" type="pres">
       <dgm:prSet presAssocID="{70079203-35D9-4575-9979-A045DBD35BFF}" presName="sibTrans" presStyleLbl="sibTrans2D1" presStyleIdx="0" presStyleCnt="3"/>
       <dgm:spPr/>
+      <dgm:t>
+        <a:bodyPr/>
+        <a:lstStyle/>
+        <a:p>
+          <a:endParaRPr lang="en-US"/>
+        </a:p>
+      </dgm:t>
     </dgm:pt>
     <dgm:pt modelId="{DC5D52DA-94C1-407B-80EE-1733C3CDC6E3}" type="pres">
       <dgm:prSet presAssocID="{70079203-35D9-4575-9979-A045DBD35BFF}" presName="spacerR" presStyleCnt="0"/>
       <dgm:spPr/>
     </dgm:pt>
     <dgm:pt modelId="{11DB31FB-7E4C-4C33-B9C4-7C4A3A6AC837}" type="pres">
-      <dgm:prSet presAssocID="{9504C15E-4608-461B-925D-28CBB8F4E350}" presName="node" presStyleLbl="node1" presStyleIdx="1" presStyleCnt="4">
+      <dgm:prSet presAssocID="{9504C15E-4608-461B-925D-28CBB8F4E350}" presName="node" presStyleLbl="node1" presStyleIdx="1" presStyleCnt="4" custLinFactNeighborY="-2550">
         <dgm:presLayoutVars>
           <dgm:bulletEnabled val="1"/>
         </dgm:presLayoutVars>
       </dgm:prSet>
       <dgm:spPr/>
+      <dgm:t>
+        <a:bodyPr/>
+        <a:lstStyle/>
+        <a:p>
+          <a:endParaRPr lang="en-US"/>
+        </a:p>
+      </dgm:t>
     </dgm:pt>
     <dgm:pt modelId="{28E0BF0B-58F7-4CBA-AE28-3D73074B124B}" type="pres">
       <dgm:prSet presAssocID="{C949135E-F681-4252-B8CC-1254B4D67E6B}" presName="spacerL" presStyleCnt="0"/>
@@ -1136,6 +1164,13 @@
     <dgm:pt modelId="{CBF8CC2A-8B85-41D5-9F52-26B163B629A0}" type="pres">
       <dgm:prSet presAssocID="{C949135E-F681-4252-B8CC-1254B4D67E6B}" presName="sibTrans" presStyleLbl="sibTrans2D1" presStyleIdx="1" presStyleCnt="3"/>
       <dgm:spPr/>
+      <dgm:t>
+        <a:bodyPr/>
+        <a:lstStyle/>
+        <a:p>
+          <a:endParaRPr lang="en-US"/>
+        </a:p>
+      </dgm:t>
     </dgm:pt>
     <dgm:pt modelId="{72A92C5E-707E-438C-B146-27A2FEEB2528}" type="pres">
       <dgm:prSet presAssocID="{C949135E-F681-4252-B8CC-1254B4D67E6B}" presName="spacerR" presStyleCnt="0"/>
@@ -1148,6 +1183,13 @@
         </dgm:presLayoutVars>
       </dgm:prSet>
       <dgm:spPr/>
+      <dgm:t>
+        <a:bodyPr/>
+        <a:lstStyle/>
+        <a:p>
+          <a:endParaRPr lang="en-US"/>
+        </a:p>
+      </dgm:t>
     </dgm:pt>
     <dgm:pt modelId="{3AB127AE-2D4F-46A8-BC74-46D22B61A1F1}" type="pres">
       <dgm:prSet presAssocID="{53EB70E1-D287-4E21-BF75-2B700C2091DE}" presName="spacerL" presStyleCnt="0"/>
@@ -1156,6 +1198,13 @@
     <dgm:pt modelId="{0402460E-EFB8-4CA1-A242-CFBCB2AF01D6}" type="pres">
       <dgm:prSet presAssocID="{53EB70E1-D287-4E21-BF75-2B700C2091DE}" presName="sibTrans" presStyleLbl="sibTrans2D1" presStyleIdx="2" presStyleCnt="3"/>
       <dgm:spPr/>
+      <dgm:t>
+        <a:bodyPr/>
+        <a:lstStyle/>
+        <a:p>
+          <a:endParaRPr lang="en-US"/>
+        </a:p>
+      </dgm:t>
     </dgm:pt>
     <dgm:pt modelId="{34E93B62-5B54-4A09-9F44-D3D2D09D997B}" type="pres">
       <dgm:prSet presAssocID="{53EB70E1-D287-4E21-BF75-2B700C2091DE}" presName="spacerR" presStyleCnt="0"/>
@@ -1168,21 +1217,28 @@
         </dgm:presLayoutVars>
       </dgm:prSet>
       <dgm:spPr/>
+      <dgm:t>
+        <a:bodyPr/>
+        <a:lstStyle/>
+        <a:p>
+          <a:endParaRPr lang="en-US"/>
+        </a:p>
+      </dgm:t>
     </dgm:pt>
   </dgm:ptLst>
   <dgm:cxnLst>
+    <dgm:cxn modelId="{6803DB8D-06AD-430F-9C7C-ABCF1812D53C}" type="presOf" srcId="{53EB70E1-D287-4E21-BF75-2B700C2091DE}" destId="{0402460E-EFB8-4CA1-A242-CFBCB2AF01D6}" srcOrd="0" destOrd="0" presId="urn:microsoft.com/office/officeart/2005/8/layout/equation1"/>
+    <dgm:cxn modelId="{79D4B610-5E91-443A-87EB-9DBCD2C37D69}" type="presOf" srcId="{70079203-35D9-4575-9979-A045DBD35BFF}" destId="{BC264EA7-A3C5-4F84-8138-665CE06E5509}" srcOrd="0" destOrd="0" presId="urn:microsoft.com/office/officeart/2005/8/layout/equation1"/>
+    <dgm:cxn modelId="{B91F0A5F-4DC0-49B6-9F73-111229751F90}" type="presOf" srcId="{58D2AB74-0BF9-4861-8B60-0AF85C529D96}" destId="{5E8D3F0A-277F-4B54-AACE-B770EC4AE979}" srcOrd="0" destOrd="0" presId="urn:microsoft.com/office/officeart/2005/8/layout/equation1"/>
     <dgm:cxn modelId="{941ACF01-CDED-4DCD-8CDB-2856BE20ED5A}" type="presOf" srcId="{9504C15E-4608-461B-925D-28CBB8F4E350}" destId="{11DB31FB-7E4C-4C33-B9C4-7C4A3A6AC837}" srcOrd="0" destOrd="0" presId="urn:microsoft.com/office/officeart/2005/8/layout/equation1"/>
-    <dgm:cxn modelId="{79D4B610-5E91-443A-87EB-9DBCD2C37D69}" type="presOf" srcId="{70079203-35D9-4575-9979-A045DBD35BFF}" destId="{BC264EA7-A3C5-4F84-8138-665CE06E5509}" srcOrd="0" destOrd="0" presId="urn:microsoft.com/office/officeart/2005/8/layout/equation1"/>
-    <dgm:cxn modelId="{6391F328-4A31-476D-BB08-4E85D68CE8FF}" type="presOf" srcId="{955A8F5C-EEE2-4E8A-B0A8-AA634E8F0831}" destId="{B80C7259-A2EE-4B44-BD67-991AB2805535}" srcOrd="0" destOrd="0" presId="urn:microsoft.com/office/officeart/2005/8/layout/equation1"/>
-    <dgm:cxn modelId="{B91F0A5F-4DC0-49B6-9F73-111229751F90}" type="presOf" srcId="{58D2AB74-0BF9-4861-8B60-0AF85C529D96}" destId="{5E8D3F0A-277F-4B54-AACE-B770EC4AE979}" srcOrd="0" destOrd="0" presId="urn:microsoft.com/office/officeart/2005/8/layout/equation1"/>
+    <dgm:cxn modelId="{909053C8-F921-4EAF-A07E-689FBB02E141}" type="presOf" srcId="{C949135E-F681-4252-B8CC-1254B4D67E6B}" destId="{CBF8CC2A-8B85-41D5-9F52-26B163B629A0}" srcOrd="0" destOrd="0" presId="urn:microsoft.com/office/officeart/2005/8/layout/equation1"/>
     <dgm:cxn modelId="{94397C70-489B-43B4-9361-1517ACAAB4F9}" type="presOf" srcId="{E07E4C69-96C1-40D8-AB5B-B7E8FFE6F228}" destId="{3F5CBCC3-2DA5-41E0-8220-D18BCB5B3333}" srcOrd="0" destOrd="0" presId="urn:microsoft.com/office/officeart/2005/8/layout/equation1"/>
     <dgm:cxn modelId="{A576C873-F03B-40F8-B4D7-732958E5EB3F}" type="presOf" srcId="{13296DD3-3D51-4E8A-8068-B5A5F8BBB3FD}" destId="{71861447-190D-4C6D-97C3-F765B04E05A7}" srcOrd="0" destOrd="0" presId="urn:microsoft.com/office/officeart/2005/8/layout/equation1"/>
-    <dgm:cxn modelId="{6803DB8D-06AD-430F-9C7C-ABCF1812D53C}" type="presOf" srcId="{53EB70E1-D287-4E21-BF75-2B700C2091DE}" destId="{0402460E-EFB8-4CA1-A242-CFBCB2AF01D6}" srcOrd="0" destOrd="0" presId="urn:microsoft.com/office/officeart/2005/8/layout/equation1"/>
     <dgm:cxn modelId="{487C4096-C51F-4FC7-8B86-A469FB0BBE44}" srcId="{E07E4C69-96C1-40D8-AB5B-B7E8FFE6F228}" destId="{9504C15E-4608-461B-925D-28CBB8F4E350}" srcOrd="1" destOrd="0" parTransId="{116C1FE5-A860-4CC7-8E33-C7186E1A6CA7}" sibTransId="{C949135E-F681-4252-B8CC-1254B4D67E6B}"/>
+    <dgm:cxn modelId="{F2E1A8F1-750A-4C1A-9B34-84393FE3C073}" srcId="{E07E4C69-96C1-40D8-AB5B-B7E8FFE6F228}" destId="{13296DD3-3D51-4E8A-8068-B5A5F8BBB3FD}" srcOrd="0" destOrd="0" parTransId="{02EA7956-62D3-485E-9CD6-A38467F81C1B}" sibTransId="{70079203-35D9-4575-9979-A045DBD35BFF}"/>
+    <dgm:cxn modelId="{6391F328-4A31-476D-BB08-4E85D68CE8FF}" type="presOf" srcId="{955A8F5C-EEE2-4E8A-B0A8-AA634E8F0831}" destId="{B80C7259-A2EE-4B44-BD67-991AB2805535}" srcOrd="0" destOrd="0" presId="urn:microsoft.com/office/officeart/2005/8/layout/equation1"/>
     <dgm:cxn modelId="{6CEE689A-94AB-45B0-9CE9-C45005EE750B}" srcId="{E07E4C69-96C1-40D8-AB5B-B7E8FFE6F228}" destId="{955A8F5C-EEE2-4E8A-B0A8-AA634E8F0831}" srcOrd="2" destOrd="0" parTransId="{559C5BFA-5E9C-4C59-8B52-96ED870530DD}" sibTransId="{53EB70E1-D287-4E21-BF75-2B700C2091DE}"/>
-    <dgm:cxn modelId="{909053C8-F921-4EAF-A07E-689FBB02E141}" type="presOf" srcId="{C949135E-F681-4252-B8CC-1254B4D67E6B}" destId="{CBF8CC2A-8B85-41D5-9F52-26B163B629A0}" srcOrd="0" destOrd="0" presId="urn:microsoft.com/office/officeart/2005/8/layout/equation1"/>
     <dgm:cxn modelId="{BD4CF6E8-3122-4BD4-90A3-0B25F9F00F6D}" srcId="{E07E4C69-96C1-40D8-AB5B-B7E8FFE6F228}" destId="{58D2AB74-0BF9-4861-8B60-0AF85C529D96}" srcOrd="3" destOrd="0" parTransId="{501CDF93-ABD2-48D5-8B8A-507CF13758AF}" sibTransId="{59CBD334-8454-424F-BE17-144C87708A41}"/>
-    <dgm:cxn modelId="{F2E1A8F1-750A-4C1A-9B34-84393FE3C073}" srcId="{E07E4C69-96C1-40D8-AB5B-B7E8FFE6F228}" destId="{13296DD3-3D51-4E8A-8068-B5A5F8BBB3FD}" srcOrd="0" destOrd="0" parTransId="{02EA7956-62D3-485E-9CD6-A38467F81C1B}" sibTransId="{70079203-35D9-4575-9979-A045DBD35BFF}"/>
     <dgm:cxn modelId="{A720F4F7-947B-42E5-9191-94FC2E1410CA}" type="presParOf" srcId="{3F5CBCC3-2DA5-41E0-8220-D18BCB5B3333}" destId="{71861447-190D-4C6D-97C3-F765B04E05A7}" srcOrd="0" destOrd="0" presId="urn:microsoft.com/office/officeart/2005/8/layout/equation1"/>
     <dgm:cxn modelId="{C54BA736-3AF7-4D67-A04A-E4DF99303DA1}" type="presParOf" srcId="{3F5CBCC3-2DA5-41E0-8220-D18BCB5B3333}" destId="{8D7C6A4A-33B3-4688-BD5F-F5E98168EEBA}" srcOrd="1" destOrd="0" presId="urn:microsoft.com/office/officeart/2005/8/layout/equation1"/>
     <dgm:cxn modelId="{3F75EAFA-EC87-4801-B57C-D94932415521}" type="presParOf" srcId="{3F5CBCC3-2DA5-41E0-8220-D18BCB5B3333}" destId="{BC264EA7-A3C5-4F84-8138-665CE06E5509}" srcOrd="2" destOrd="0" presId="urn:microsoft.com/office/officeart/2005/8/layout/equation1"/>
@@ -1271,7 +1327,7 @@
         </a:bodyPr>
         <a:lstStyle/>
         <a:p>
-          <a:pPr marL="0" lvl="0" indent="0" algn="ctr" defTabSz="577850">
+          <a:pPr lvl="0" algn="ctr" defTabSz="577850">
             <a:lnSpc>
               <a:spcPct val="90000"/>
             </a:lnSpc>
@@ -1281,7 +1337,6 @@
             <a:spcAft>
               <a:spcPct val="35000"/>
             </a:spcAft>
-            <a:buNone/>
           </a:pPr>
           <a:r>
             <a:rPr lang="en-US" sz="1300" kern="1200" dirty="0"/>
@@ -1341,7 +1396,7 @@
         </a:bodyPr>
         <a:lstStyle/>
         <a:p>
-          <a:pPr marL="0" lvl="0" indent="0" algn="ctr" defTabSz="400050">
+          <a:pPr lvl="0" algn="ctr" defTabSz="400050">
             <a:lnSpc>
               <a:spcPct val="90000"/>
             </a:lnSpc>
@@ -1351,7 +1406,6 @@
             <a:spcAft>
               <a:spcPct val="35000"/>
             </a:spcAft>
-            <a:buNone/>
           </a:pPr>
           <a:endParaRPr lang="en-US" sz="900" kern="1200"/>
         </a:p>
@@ -1368,7 +1422,7 @@
       </dsp:nvSpPr>
       <dsp:spPr>
         <a:xfrm>
-          <a:off x="1707239" y="834830"/>
+          <a:off x="1707239" y="809896"/>
           <a:ext cx="977800" cy="977800"/>
         </a:xfrm>
         <a:prstGeom prst="ellipse">
@@ -1417,7 +1471,7 @@
         </a:bodyPr>
         <a:lstStyle/>
         <a:p>
-          <a:pPr marL="0" lvl="0" indent="0" algn="ctr" defTabSz="577850">
+          <a:pPr lvl="0" algn="ctr" defTabSz="577850">
             <a:lnSpc>
               <a:spcPct val="90000"/>
             </a:lnSpc>
@@ -1427,7 +1481,6 @@
             <a:spcAft>
               <a:spcPct val="35000"/>
             </a:spcAft>
-            <a:buNone/>
           </a:pPr>
           <a:r>
             <a:rPr lang="en-US" sz="1300" kern="1200" dirty="0"/>
@@ -1436,7 +1489,7 @@
         </a:p>
       </dsp:txBody>
       <dsp:txXfrm>
-        <a:off x="1850434" y="978025"/>
+        <a:off x="1850434" y="953091"/>
         <a:ext cx="691410" cy="691410"/>
       </dsp:txXfrm>
     </dsp:sp>
@@ -1487,7 +1540,7 @@
         </a:bodyPr>
         <a:lstStyle/>
         <a:p>
-          <a:pPr marL="0" lvl="0" indent="0" algn="ctr" defTabSz="400050">
+          <a:pPr lvl="0" algn="ctr" defTabSz="400050">
             <a:lnSpc>
               <a:spcPct val="90000"/>
             </a:lnSpc>
@@ -1497,7 +1550,6 @@
             <a:spcAft>
               <a:spcPct val="35000"/>
             </a:spcAft>
-            <a:buNone/>
           </a:pPr>
           <a:endParaRPr lang="en-US" sz="900" kern="1200"/>
         </a:p>
@@ -1563,7 +1615,7 @@
         </a:bodyPr>
         <a:lstStyle/>
         <a:p>
-          <a:pPr marL="0" lvl="0" indent="0" algn="ctr" defTabSz="577850">
+          <a:pPr lvl="0" algn="ctr" defTabSz="577850">
             <a:lnSpc>
               <a:spcPct val="90000"/>
             </a:lnSpc>
@@ -1573,7 +1625,6 @@
             <a:spcAft>
               <a:spcPct val="35000"/>
             </a:spcAft>
-            <a:buNone/>
           </a:pPr>
           <a:r>
             <a:rPr lang="en-US" sz="1300" kern="1200" dirty="0"/>
@@ -1633,7 +1684,7 @@
         </a:bodyPr>
         <a:lstStyle/>
         <a:p>
-          <a:pPr marL="0" lvl="0" indent="0" algn="ctr" defTabSz="711200">
+          <a:pPr lvl="0" algn="ctr" defTabSz="711200">
             <a:lnSpc>
               <a:spcPct val="90000"/>
             </a:lnSpc>
@@ -1643,7 +1694,6 @@
             <a:spcAft>
               <a:spcPct val="35000"/>
             </a:spcAft>
-            <a:buNone/>
           </a:pPr>
           <a:endParaRPr lang="en-US" sz="1600" kern="1200"/>
         </a:p>
@@ -1709,7 +1759,7 @@
         </a:bodyPr>
         <a:lstStyle/>
         <a:p>
-          <a:pPr marL="0" lvl="0" indent="0" algn="ctr" defTabSz="577850">
+          <a:pPr lvl="0" algn="ctr" defTabSz="577850">
             <a:lnSpc>
               <a:spcPct val="90000"/>
             </a:lnSpc>
@@ -1719,7 +1769,6 @@
             <a:spcAft>
               <a:spcPct val="35000"/>
             </a:spcAft>
-            <a:buNone/>
           </a:pPr>
           <a:r>
             <a:rPr lang="en-US" sz="1300" kern="1200" dirty="0"/>
@@ -3007,7 +3056,7 @@
           <a:p>
             <a:fld id="{303848FA-2250-4AEB-9965-BB72865D6217}" type="datetimeFigureOut">
               <a:rPr lang="en-US" smtClean="0"/>
-              <a:t>8/11/2018</a:t>
+              <a:t>8/28/2018</a:t>
             </a:fld>
             <a:endParaRPr lang="en-US"/>
           </a:p>
@@ -3577,7 +3626,7 @@
           <a:p>
             <a:fld id="{F9D2548E-2BE4-4931-9ACF-8A206FDEDD3D}" type="datetimeFigureOut">
               <a:rPr lang="en-US" smtClean="0"/>
-              <a:t>8/11/2018</a:t>
+              <a:t>8/28/2018</a:t>
             </a:fld>
             <a:endParaRPr lang="en-US"/>
           </a:p>
@@ -3747,7 +3796,7 @@
           <a:p>
             <a:fld id="{F9D2548E-2BE4-4931-9ACF-8A206FDEDD3D}" type="datetimeFigureOut">
               <a:rPr lang="en-US" smtClean="0"/>
-              <a:t>8/11/2018</a:t>
+              <a:t>8/28/2018</a:t>
             </a:fld>
             <a:endParaRPr lang="en-US"/>
           </a:p>
@@ -3927,7 +3976,7 @@
           <a:p>
             <a:fld id="{F9D2548E-2BE4-4931-9ACF-8A206FDEDD3D}" type="datetimeFigureOut">
               <a:rPr lang="en-US" smtClean="0"/>
-              <a:t>8/11/2018</a:t>
+              <a:t>8/28/2018</a:t>
             </a:fld>
             <a:endParaRPr lang="en-US"/>
           </a:p>
@@ -4097,7 +4146,7 @@
           <a:p>
             <a:fld id="{F9D2548E-2BE4-4931-9ACF-8A206FDEDD3D}" type="datetimeFigureOut">
               <a:rPr lang="en-US" smtClean="0"/>
-              <a:t>8/11/2018</a:t>
+              <a:t>8/28/2018</a:t>
             </a:fld>
             <a:endParaRPr lang="en-US"/>
           </a:p>
@@ -4341,7 +4390,7 @@
           <a:p>
             <a:fld id="{F9D2548E-2BE4-4931-9ACF-8A206FDEDD3D}" type="datetimeFigureOut">
               <a:rPr lang="en-US" smtClean="0"/>
-              <a:t>8/11/2018</a:t>
+              <a:t>8/28/2018</a:t>
             </a:fld>
             <a:endParaRPr lang="en-US"/>
           </a:p>
@@ -4573,7 +4622,7 @@
           <a:p>
             <a:fld id="{F9D2548E-2BE4-4931-9ACF-8A206FDEDD3D}" type="datetimeFigureOut">
               <a:rPr lang="en-US" smtClean="0"/>
-              <a:t>8/11/2018</a:t>
+              <a:t>8/28/2018</a:t>
             </a:fld>
             <a:endParaRPr lang="en-US"/>
           </a:p>
@@ -4940,7 +4989,7 @@
           <a:p>
             <a:fld id="{F9D2548E-2BE4-4931-9ACF-8A206FDEDD3D}" type="datetimeFigureOut">
               <a:rPr lang="en-US" smtClean="0"/>
-              <a:t>8/11/2018</a:t>
+              <a:t>8/28/2018</a:t>
             </a:fld>
             <a:endParaRPr lang="en-US"/>
           </a:p>
@@ -5058,7 +5107,7 @@
           <a:p>
             <a:fld id="{F9D2548E-2BE4-4931-9ACF-8A206FDEDD3D}" type="datetimeFigureOut">
               <a:rPr lang="en-US" smtClean="0"/>
-              <a:t>8/11/2018</a:t>
+              <a:t>8/28/2018</a:t>
             </a:fld>
             <a:endParaRPr lang="en-US"/>
           </a:p>
@@ -5153,7 +5202,7 @@
           <a:p>
             <a:fld id="{F9D2548E-2BE4-4931-9ACF-8A206FDEDD3D}" type="datetimeFigureOut">
               <a:rPr lang="en-US" smtClean="0"/>
-              <a:t>8/11/2018</a:t>
+              <a:t>8/28/2018</a:t>
             </a:fld>
             <a:endParaRPr lang="en-US"/>
           </a:p>
@@ -5430,7 +5479,7 @@
           <a:p>
             <a:fld id="{F9D2548E-2BE4-4931-9ACF-8A206FDEDD3D}" type="datetimeFigureOut">
               <a:rPr lang="en-US" smtClean="0"/>
-              <a:t>8/11/2018</a:t>
+              <a:t>8/28/2018</a:t>
             </a:fld>
             <a:endParaRPr lang="en-US"/>
           </a:p>
@@ -5687,7 +5736,7 @@
           <a:p>
             <a:fld id="{F9D2548E-2BE4-4931-9ACF-8A206FDEDD3D}" type="datetimeFigureOut">
               <a:rPr lang="en-US" smtClean="0"/>
-              <a:t>8/11/2018</a:t>
+              <a:t>8/28/2018</a:t>
             </a:fld>
             <a:endParaRPr lang="en-US"/>
           </a:p>
@@ -5900,7 +5949,7 @@
           <a:p>
             <a:fld id="{F9D2548E-2BE4-4931-9ACF-8A206FDEDD3D}" type="datetimeFigureOut">
               <a:rPr lang="en-US" smtClean="0"/>
-              <a:t>8/11/2018</a:t>
+              <a:t>8/28/2018</a:t>
             </a:fld>
             <a:endParaRPr lang="en-US"/>
           </a:p>
@@ -6446,7 +6495,7 @@
           <a:p>
             <a:fld id="{84EF3D3D-1FA7-4063-8A74-CF4F331F85D5}" type="datetime1">
               <a:rPr lang="en-US" smtClean="0"/>
-              <a:t>8/11/2018</a:t>
+              <a:t>8/28/2018</a:t>
             </a:fld>
             <a:endParaRPr lang="en-US"/>
           </a:p>
@@ -6649,7 +6698,7 @@
           <a:p>
             <a:fld id="{2EBD851C-5382-4D15-B87D-BDFCA2A991DD}" type="datetime1">
               <a:rPr lang="en-US" smtClean="0"/>
-              <a:t>8/11/2018</a:t>
+              <a:t>8/28/2018</a:t>
             </a:fld>
             <a:endParaRPr lang="en-US" dirty="0"/>
           </a:p>
@@ -6797,7 +6846,7 @@
           <a:p>
             <a:fld id="{0DAFC57F-05E7-454C-B6D4-3866D3CB348C}" type="datetime1">
               <a:rPr lang="en-US" smtClean="0"/>
-              <a:t>8/11/2018</a:t>
+              <a:t>8/28/2018</a:t>
             </a:fld>
             <a:endParaRPr lang="en-US" dirty="0"/>
           </a:p>
@@ -6967,7 +7016,7 @@
           <a:p>
             <a:fld id="{0DAFC57F-05E7-454C-B6D4-3866D3CB348C}" type="datetime1">
               <a:rPr lang="en-US" smtClean="0"/>
-              <a:t>8/11/2018</a:t>
+              <a:t>8/28/2018</a:t>
             </a:fld>
             <a:endParaRPr lang="en-US" dirty="0"/>
           </a:p>
@@ -7168,7 +7217,7 @@
           <a:p>
             <a:fld id="{0DAFC57F-05E7-454C-B6D4-3866D3CB348C}" type="datetime1">
               <a:rPr lang="en-US" smtClean="0"/>
-              <a:t>8/11/2018</a:t>
+              <a:t>8/28/2018</a:t>
             </a:fld>
             <a:endParaRPr lang="en-US" dirty="0"/>
           </a:p>
@@ -7336,7 +7385,7 @@
           <a:p>
             <a:fld id="{0DAFC57F-05E7-454C-B6D4-3866D3CB348C}" type="datetime1">
               <a:rPr lang="en-US" smtClean="0"/>
-              <a:t>8/11/2018</a:t>
+              <a:t>8/28/2018</a:t>
             </a:fld>
             <a:endParaRPr lang="en-US" dirty="0"/>
           </a:p>
@@ -7518,7 +7567,7 @@
           <a:p>
             <a:fld id="{0DAFC57F-05E7-454C-B6D4-3866D3CB348C}" type="datetime1">
               <a:rPr lang="en-US" smtClean="0"/>
-              <a:t>8/11/2018</a:t>
+              <a:t>8/28/2018</a:t>
             </a:fld>
             <a:endParaRPr lang="en-US" dirty="0"/>
           </a:p>
@@ -7688,7 +7737,7 @@
           <a:p>
             <a:fld id="{0DAFC57F-05E7-454C-B6D4-3866D3CB348C}" type="datetime1">
               <a:rPr lang="en-US" smtClean="0"/>
-              <a:t>8/11/2018</a:t>
+              <a:t>8/28/2018</a:t>
             </a:fld>
             <a:endParaRPr lang="en-US" dirty="0"/>
           </a:p>
@@ -7846,7 +7895,7 @@
           <a:p>
             <a:fld id="{0DAFC57F-05E7-454C-B6D4-3866D3CB348C}" type="datetime1">
               <a:rPr lang="en-US" smtClean="0"/>
-              <a:t>8/11/2018</a:t>
+              <a:t>8/28/2018</a:t>
             </a:fld>
             <a:endParaRPr lang="en-US" dirty="0"/>
           </a:p>
@@ -8018,7 +8067,7 @@
           <a:p>
             <a:fld id="{0DAFC57F-05E7-454C-B6D4-3866D3CB348C}" type="datetime1">
               <a:rPr lang="en-US" smtClean="0"/>
-              <a:t>8/11/2018</a:t>
+              <a:t>8/28/2018</a:t>
             </a:fld>
             <a:endParaRPr lang="en-US" dirty="0"/>
           </a:p>
@@ -8183,7 +8232,7 @@
           <a:p>
             <a:fld id="{8161448F-963A-4136-8C26-B5DE213BC269}" type="datetime1">
               <a:rPr lang="en-US" smtClean="0"/>
-              <a:t>8/11/2018</a:t>
+              <a:t>8/28/2018</a:t>
             </a:fld>
             <a:endParaRPr lang="en-US"/>
           </a:p>
@@ -8380,7 +8429,7 @@
           <a:p>
             <a:fld id="{CE539880-0C50-44AD-B0DB-49354DCDE621}" type="datetime1">
               <a:rPr lang="en-US" smtClean="0"/>
-              <a:t>8/11/2018</a:t>
+              <a:t>8/28/2018</a:t>
             </a:fld>
             <a:endParaRPr lang="en-US" dirty="0"/>
           </a:p>
@@ -8521,7 +8570,7 @@
           <a:p>
             <a:fld id="{9E83788D-6A28-430B-A76E-3015801EEBF5}" type="datetime1">
               <a:rPr lang="en-US" smtClean="0"/>
-              <a:t>8/11/2018</a:t>
+              <a:t>8/28/2018</a:t>
             </a:fld>
             <a:endParaRPr lang="en-US"/>
           </a:p>
@@ -8685,7 +8734,7 @@
           <a:p>
             <a:fld id="{75210D0A-D8E8-49BD-8842-56A2441833BC}" type="datetime1">
               <a:rPr lang="en-US" smtClean="0"/>
-              <a:t>8/11/2018</a:t>
+              <a:t>8/28/2018</a:t>
             </a:fld>
             <a:endParaRPr lang="en-US" dirty="0"/>
           </a:p>
@@ -10167,6 +10216,189 @@
       </p:grpSpPr>
       <p:sp>
         <p:nvSpPr>
+          <p:cNvPr id="2" name="Title 1"/>
+          <p:cNvSpPr>
+            <a:spLocks noGrp="1"/>
+          </p:cNvSpPr>
+          <p:nvPr>
+            <p:ph type="title"/>
+          </p:nvPr>
+        </p:nvSpPr>
+        <p:spPr/>
+        <p:txBody>
+          <a:bodyPr/>
+          <a:lstStyle/>
+          <a:p>
+            <a:r>
+              <a:rPr lang="en-US" dirty="0" smtClean="0"/>
+              <a:t>Docker</a:t>
+            </a:r>
+            <a:endParaRPr lang="en-US" dirty="0"/>
+          </a:p>
+        </p:txBody>
+      </p:sp>
+      <p:sp>
+        <p:nvSpPr>
+          <p:cNvPr id="3" name="Content Placeholder 2"/>
+          <p:cNvSpPr>
+            <a:spLocks noGrp="1"/>
+          </p:cNvSpPr>
+          <p:nvPr>
+            <p:ph idx="1"/>
+          </p:nvPr>
+        </p:nvSpPr>
+        <p:spPr/>
+        <p:txBody>
+          <a:bodyPr/>
+          <a:lstStyle/>
+          <a:p>
+            <a:r>
+              <a:rPr lang="en-US" dirty="0" smtClean="0"/>
+              <a:t>Docker is a popular container </a:t>
+            </a:r>
+            <a:br>
+              <a:rPr lang="en-US" dirty="0" smtClean="0"/>
+            </a:br>
+            <a:r>
+              <a:rPr lang="en-US" dirty="0" smtClean="0"/>
+              <a:t>application. It manages:</a:t>
+            </a:r>
+          </a:p>
+          <a:p>
+            <a:r>
+              <a:rPr lang="en-US" dirty="0" smtClean="0"/>
+              <a:t>Building of images</a:t>
+            </a:r>
+          </a:p>
+          <a:p>
+            <a:r>
+              <a:rPr lang="en-US" dirty="0" smtClean="0"/>
+              <a:t>Running of containers and managing their run-time resources like memory, CPU, disk and network.</a:t>
+            </a:r>
+          </a:p>
+          <a:p>
+            <a:r>
+              <a:rPr lang="en-US" dirty="0" smtClean="0"/>
+              <a:t>Sharing of containers with other people (via registry).</a:t>
+            </a:r>
+          </a:p>
+          <a:p>
+            <a:endParaRPr lang="en-US" dirty="0"/>
+          </a:p>
+        </p:txBody>
+      </p:sp>
+      <p:sp>
+        <p:nvSpPr>
+          <p:cNvPr id="4" name="AutoShape 2" descr="Image result for docker"/>
+          <p:cNvSpPr>
+            <a:spLocks noChangeAspect="1" noChangeArrowheads="1"/>
+          </p:cNvSpPr>
+          <p:nvPr/>
+        </p:nvSpPr>
+        <p:spPr bwMode="auto">
+          <a:xfrm>
+            <a:off x="155575" y="-144463"/>
+            <a:ext cx="304800" cy="304801"/>
+          </a:xfrm>
+          <a:prstGeom prst="rect">
+            <a:avLst/>
+          </a:prstGeom>
+          <a:noFill/>
+          <a:extLst>
+            <a:ext uri="{909E8E84-426E-40DD-AFC4-6F175D3DCCD1}">
+              <a14:hiddenFill xmlns:a14="http://schemas.microsoft.com/office/drawing/2010/main">
+                <a:solidFill>
+                  <a:srgbClr val="FFFFFF"/>
+                </a:solidFill>
+              </a14:hiddenFill>
+            </a:ext>
+          </a:extLst>
+        </p:spPr>
+        <p:txBody>
+          <a:bodyPr vert="horz" wrap="square" lIns="91440" tIns="45720" rIns="91440" bIns="45720" numCol="1" anchor="t" anchorCtr="0" compatLnSpc="1">
+            <a:prstTxWarp prst="textNoShape">
+              <a:avLst/>
+            </a:prstTxWarp>
+          </a:bodyPr>
+          <a:lstStyle/>
+          <a:p>
+            <a:endParaRPr lang="en-US"/>
+          </a:p>
+        </p:txBody>
+      </p:sp>
+      <p:pic>
+        <p:nvPicPr>
+          <p:cNvPr id="1028" name="Picture 4" descr="Image result for docker"/>
+          <p:cNvPicPr>
+            <a:picLocks noChangeAspect="1" noChangeArrowheads="1"/>
+          </p:cNvPicPr>
+          <p:nvPr/>
+        </p:nvPicPr>
+        <p:blipFill>
+          <a:blip r:embed="rId2">
+            <a:extLst>
+              <a:ext uri="{28A0092B-C50C-407E-A947-70E740481C1C}">
+                <a14:useLocalDpi xmlns:a14="http://schemas.microsoft.com/office/drawing/2010/main" val="0"/>
+              </a:ext>
+            </a:extLst>
+          </a:blip>
+          <a:srcRect/>
+          <a:stretch>
+            <a:fillRect/>
+          </a:stretch>
+        </p:blipFill>
+        <p:spPr bwMode="auto">
+          <a:xfrm>
+            <a:off x="6533804" y="0"/>
+            <a:ext cx="2610196" cy="2229543"/>
+          </a:xfrm>
+          <a:prstGeom prst="rect">
+            <a:avLst/>
+          </a:prstGeom>
+          <a:noFill/>
+          <a:extLst>
+            <a:ext uri="{909E8E84-426E-40DD-AFC4-6F175D3DCCD1}">
+              <a14:hiddenFill xmlns:a14="http://schemas.microsoft.com/office/drawing/2010/main">
+                <a:solidFill>
+                  <a:srgbClr val="FFFFFF"/>
+                </a:solidFill>
+              </a14:hiddenFill>
+            </a:ext>
+          </a:extLst>
+        </p:spPr>
+      </p:pic>
+    </p:spTree>
+    <p:extLst>
+      <p:ext uri="{BB962C8B-B14F-4D97-AF65-F5344CB8AC3E}">
+        <p14:creationId xmlns:p14="http://schemas.microsoft.com/office/powerpoint/2010/main" val="2247624506"/>
+      </p:ext>
+    </p:extLst>
+  </p:cSld>
+  <p:clrMapOvr>
+    <a:masterClrMapping/>
+  </p:clrMapOvr>
+</p:sld>
+</file>
+
+<file path=ppt/slides/slide26.xml><?xml version="1.0" encoding="utf-8"?>
+<p:sld xmlns:a="http://schemas.openxmlformats.org/drawingml/2006/main" xmlns:r="http://schemas.openxmlformats.org/officeDocument/2006/relationships" xmlns:p="http://schemas.openxmlformats.org/presentationml/2006/main">
+  <p:cSld>
+    <p:spTree>
+      <p:nvGrpSpPr>
+        <p:cNvPr id="1" name=""/>
+        <p:cNvGrpSpPr/>
+        <p:nvPr/>
+      </p:nvGrpSpPr>
+      <p:grpSpPr>
+        <a:xfrm>
+          <a:off x="0" y="0"/>
+          <a:ext cx="0" cy="0"/>
+          <a:chOff x="0" y="0"/>
+          <a:chExt cx="0" cy="0"/>
+        </a:xfrm>
+      </p:grpSpPr>
+      <p:sp>
+        <p:nvSpPr>
           <p:cNvPr id="2" name="Title 1">
             <a:extLst>
               <a:ext uri="{FF2B5EF4-FFF2-40B4-BE49-F238E27FC236}">
@@ -10212,37 +10444,84 @@
         <p:spPr>
           <a:xfrm>
             <a:off x="628650" y="1825625"/>
-            <a:ext cx="7886700" cy="2807921"/>
+            <a:ext cx="7886700" cy="3452957"/>
           </a:xfrm>
         </p:spPr>
         <p:txBody>
           <a:bodyPr>
-            <a:normAutofit fontScale="85000" lnSpcReduction="20000"/>
+            <a:normAutofit fontScale="85000" lnSpcReduction="10000"/>
           </a:bodyPr>
           <a:lstStyle/>
           <a:p>
             <a:r>
-              <a:rPr lang="en-US" dirty="0"/>
-              <a:t>Image – holds the software, it dependencies and information necessary to run the application</a:t>
-            </a:r>
-          </a:p>
-          <a:p>
-            <a:r>
-              <a:rPr lang="en-US" dirty="0"/>
-              <a:t>Container – a running image plus the configuration and state. At the time the container runs network and storage information is provided.</a:t>
-            </a:r>
-          </a:p>
-          <a:p>
-            <a:r>
-              <a:rPr lang="en-US" dirty="0"/>
-              <a:t>Volume – persistent storage mechanism for the container.</a:t>
-            </a:r>
-          </a:p>
-          <a:p>
-            <a:r>
-              <a:rPr lang="en-US" dirty="0"/>
-              <a:t>Network – containers have virtual network similar to host-based virtualization</a:t>
-            </a:r>
+              <a:rPr lang="en-US" b="1" dirty="0"/>
+              <a:t>Image</a:t>
+            </a:r>
+            <a:r>
+              <a:rPr lang="en-US" dirty="0"/>
+              <a:t> – holds the software, it dependencies and information necessary to run the application</a:t>
+            </a:r>
+          </a:p>
+          <a:p>
+            <a:r>
+              <a:rPr lang="en-US" b="1" dirty="0"/>
+              <a:t>Container</a:t>
+            </a:r>
+            <a:r>
+              <a:rPr lang="en-US" dirty="0"/>
+              <a:t> – </a:t>
+            </a:r>
+            <a:r>
+              <a:rPr lang="en-US" dirty="0" smtClean="0"/>
+              <a:t>Self-contained unit of software. </a:t>
+            </a:r>
+            <a:r>
+              <a:rPr lang="en-US" dirty="0" smtClean="0"/>
+              <a:t>It is </a:t>
+            </a:r>
+            <a:r>
+              <a:rPr lang="en-US" dirty="0" smtClean="0"/>
+              <a:t>a </a:t>
+            </a:r>
+            <a:r>
+              <a:rPr lang="en-US" dirty="0"/>
+              <a:t>running image plus the configuration and state. At the time the container runs network and storage information is provided.</a:t>
+            </a:r>
+          </a:p>
+          <a:p>
+            <a:r>
+              <a:rPr lang="en-US" b="1" dirty="0"/>
+              <a:t>Volume</a:t>
+            </a:r>
+            <a:r>
+              <a:rPr lang="en-US" dirty="0"/>
+              <a:t> – persistent storage mechanism for the container.</a:t>
+            </a:r>
+          </a:p>
+          <a:p>
+            <a:r>
+              <a:rPr lang="en-US" b="1" dirty="0"/>
+              <a:t>Network</a:t>
+            </a:r>
+            <a:r>
+              <a:rPr lang="en-US" dirty="0"/>
+              <a:t> – containers have virtual network similar to host-based </a:t>
+            </a:r>
+            <a:r>
+              <a:rPr lang="en-US" dirty="0" smtClean="0"/>
+              <a:t>virtualization</a:t>
+            </a:r>
+          </a:p>
+          <a:p>
+            <a:r>
+              <a:rPr lang="en-US" b="1" dirty="0" smtClean="0"/>
+              <a:t>Registry</a:t>
+            </a:r>
+            <a:r>
+              <a:rPr lang="en-US" dirty="0" smtClean="0"/>
+              <a:t> – an online source of images.</a:t>
+            </a:r>
+            <a:endParaRPr lang="en-US" dirty="0"/>
           </a:p>
         </p:txBody>
       </p:sp>
@@ -10259,13 +10538,13 @@
           <p:nvPr>
             <p:extLst>
               <p:ext uri="{D42A27DB-BD31-4B8C-83A1-F6EECF244321}">
-                <p14:modId xmlns:p14="http://schemas.microsoft.com/office/powerpoint/2010/main" val="3541696517"/>
+                <p14:modId xmlns:p14="http://schemas.microsoft.com/office/powerpoint/2010/main" val="3748984869"/>
               </p:ext>
             </p:extLst>
           </p:nvPr>
         </p:nvGraphicFramePr>
         <p:xfrm>
-          <a:off x="1524000" y="4035669"/>
+          <a:off x="1615440" y="4633546"/>
           <a:ext cx="6096000" cy="2647462"/>
         </p:xfrm>
         <a:graphic>
@@ -10278,6 +10557,148 @@
     <p:extLst>
       <p:ext uri="{BB962C8B-B14F-4D97-AF65-F5344CB8AC3E}">
         <p14:creationId xmlns:p14="http://schemas.microsoft.com/office/powerpoint/2010/main" val="2003250556"/>
+      </p:ext>
+    </p:extLst>
+  </p:cSld>
+  <p:clrMapOvr>
+    <a:masterClrMapping/>
+  </p:clrMapOvr>
+</p:sld>
+</file>
+
+<file path=ppt/slides/slide27.xml><?xml version="1.0" encoding="utf-8"?>
+<p:sld xmlns:a="http://schemas.openxmlformats.org/drawingml/2006/main" xmlns:r="http://schemas.openxmlformats.org/officeDocument/2006/relationships" xmlns:p="http://schemas.openxmlformats.org/presentationml/2006/main">
+  <p:cSld>
+    <p:spTree>
+      <p:nvGrpSpPr>
+        <p:cNvPr id="1" name=""/>
+        <p:cNvGrpSpPr/>
+        <p:nvPr/>
+      </p:nvGrpSpPr>
+      <p:grpSpPr>
+        <a:xfrm>
+          <a:off x="0" y="0"/>
+          <a:ext cx="0" cy="0"/>
+          <a:chOff x="0" y="0"/>
+          <a:chExt cx="0" cy="0"/>
+        </a:xfrm>
+      </p:grpSpPr>
+      <p:sp>
+        <p:nvSpPr>
+          <p:cNvPr id="2" name="Title 1"/>
+          <p:cNvSpPr>
+            <a:spLocks noGrp="1"/>
+          </p:cNvSpPr>
+          <p:nvPr>
+            <p:ph type="title"/>
+          </p:nvPr>
+        </p:nvSpPr>
+        <p:spPr/>
+        <p:txBody>
+          <a:bodyPr/>
+          <a:lstStyle/>
+          <a:p>
+            <a:r>
+              <a:rPr lang="en-US" dirty="0" smtClean="0"/>
+              <a:t>Docker Compose</a:t>
+            </a:r>
+            <a:endParaRPr lang="en-US" dirty="0"/>
+          </a:p>
+        </p:txBody>
+      </p:sp>
+      <p:sp>
+        <p:nvSpPr>
+          <p:cNvPr id="3" name="Content Placeholder 2"/>
+          <p:cNvSpPr>
+            <a:spLocks noGrp="1"/>
+          </p:cNvSpPr>
+          <p:nvPr>
+            <p:ph idx="1"/>
+          </p:nvPr>
+        </p:nvSpPr>
+        <p:spPr/>
+        <p:txBody>
+          <a:bodyPr/>
+          <a:lstStyle/>
+          <a:p>
+            <a:r>
+              <a:rPr lang="en-US" dirty="0" smtClean="0"/>
+              <a:t>We use </a:t>
+            </a:r>
+            <a:r>
+              <a:rPr lang="en-US" dirty="0" err="1" smtClean="0"/>
+              <a:t>docker</a:t>
+            </a:r>
+            <a:r>
+              <a:rPr lang="en-US" dirty="0" smtClean="0"/>
+              <a:t>-compose in the labs. </a:t>
+            </a:r>
+          </a:p>
+          <a:p>
+            <a:r>
+              <a:rPr lang="en-US" dirty="0" smtClean="0"/>
+              <a:t>Docker-compose is a tool for running multi-container </a:t>
+            </a:r>
+            <a:r>
+              <a:rPr lang="en-US" dirty="0" err="1" smtClean="0"/>
+              <a:t>docker</a:t>
+            </a:r>
+            <a:r>
+              <a:rPr lang="en-US" dirty="0" smtClean="0"/>
+              <a:t> applications.</a:t>
+            </a:r>
+          </a:p>
+          <a:p>
+            <a:r>
+              <a:rPr lang="en-US" dirty="0" smtClean="0"/>
+              <a:t>All aspects of each running container are included in the compose file.</a:t>
+            </a:r>
+          </a:p>
+          <a:p>
+            <a:pPr lvl="1"/>
+            <a:r>
+              <a:rPr lang="en-US" dirty="0" smtClean="0"/>
+              <a:t>Image</a:t>
+            </a:r>
+          </a:p>
+          <a:p>
+            <a:pPr lvl="1"/>
+            <a:r>
+              <a:rPr lang="en-US" dirty="0" smtClean="0"/>
+              <a:t>Network</a:t>
+            </a:r>
+          </a:p>
+          <a:p>
+            <a:pPr lvl="1"/>
+            <a:r>
+              <a:rPr lang="en-US" dirty="0" smtClean="0"/>
+              <a:t>Volumes</a:t>
+            </a:r>
+          </a:p>
+          <a:p>
+            <a:r>
+              <a:rPr lang="en-US" dirty="0" smtClean="0"/>
+              <a:t>The containers within the compose file are deployed as </a:t>
+            </a:r>
+            <a:r>
+              <a:rPr lang="en-US" smtClean="0"/>
+              <a:t>a single unit.</a:t>
+            </a:r>
+            <a:endParaRPr lang="en-US" dirty="0" smtClean="0"/>
+          </a:p>
+          <a:p>
+            <a:pPr lvl="1"/>
+            <a:endParaRPr lang="en-US" dirty="0" smtClean="0"/>
+          </a:p>
+          <a:p>
+            <a:endParaRPr lang="en-US" dirty="0"/>
+          </a:p>
+        </p:txBody>
+      </p:sp>
+    </p:spTree>
+    <p:extLst>
+      <p:ext uri="{BB962C8B-B14F-4D97-AF65-F5344CB8AC3E}">
+        <p14:creationId xmlns:p14="http://schemas.microsoft.com/office/powerpoint/2010/main" val="3182814357"/>
       </p:ext>
     </p:extLst>
   </p:cSld>
@@ -10449,7 +10870,7 @@
           <a:p>
             <a:fld id="{6E2BD2AA-C82A-4430-8ECB-7581C04FC298}" type="datetime1">
               <a:rPr lang="en-US" smtClean="0"/>
-              <a:t>8/11/2018</a:t>
+              <a:t>8/28/2018</a:t>
             </a:fld>
             <a:endParaRPr lang="en-US" dirty="0"/>
           </a:p>
@@ -10702,7 +11123,7 @@
           <a:p>
             <a:fld id="{6751C5E9-1AA3-49EB-881A-AE82365D77C4}" type="datetime1">
               <a:rPr lang="en-US" smtClean="0"/>
-              <a:t>8/11/2018</a:t>
+              <a:t>8/28/2018</a:t>
             </a:fld>
             <a:endParaRPr lang="en-US" dirty="0"/>
           </a:p>
@@ -10884,7 +11305,7 @@
           <a:p>
             <a:fld id="{9737DC41-6647-4ADB-AF3F-A49395D12A4E}" type="datetime1">
               <a:rPr lang="en-US" smtClean="0"/>
-              <a:t>8/11/2018</a:t>
+              <a:t>8/28/2018</a:t>
             </a:fld>
             <a:endParaRPr lang="en-US" dirty="0"/>
           </a:p>
@@ -11046,7 +11467,7 @@
         <p:spPr/>
         <p:txBody>
           <a:bodyPr>
-            <a:normAutofit fontScale="92500" lnSpcReduction="10000"/>
+            <a:normAutofit lnSpcReduction="10000"/>
           </a:bodyPr>
           <a:lstStyle/>
           <a:p>
@@ -11167,7 +11588,7 @@
           <a:p>
             <a:fld id="{7A06531B-0F92-4F8F-BD3B-629012D38D79}" type="datetime1">
               <a:rPr lang="en-US" smtClean="0"/>
-              <a:t>8/11/2018</a:t>
+              <a:t>8/28/2018</a:t>
             </a:fld>
             <a:endParaRPr lang="en-US"/>
           </a:p>
@@ -11354,7 +11775,7 @@
           <a:p>
             <a:fld id="{D9BB70A3-3726-4AF2-9CE9-6BAF727FBB24}" type="datetime1">
               <a:rPr lang="en-US" smtClean="0"/>
-              <a:t>8/11/2018</a:t>
+              <a:t>8/28/2018</a:t>
             </a:fld>
             <a:endParaRPr lang="en-US" dirty="0"/>
           </a:p>
@@ -11569,7 +11990,7 @@
           <a:p>
             <a:fld id="{ACAF1CDB-6403-4B1D-86D8-3D4EB05E8327}" type="datetime1">
               <a:rPr lang="en-US" smtClean="0"/>
-              <a:t>8/11/2018</a:t>
+              <a:t>8/28/2018</a:t>
             </a:fld>
             <a:endParaRPr lang="en-US"/>
           </a:p>
@@ -11776,7 +12197,7 @@
           <a:p>
             <a:fld id="{365181E5-4738-4898-97AA-4D754D675984}" type="datetime1">
               <a:rPr lang="en-US" smtClean="0"/>
-              <a:t>8/11/2018</a:t>
+              <a:t>8/28/2018</a:t>
             </a:fld>
             <a:endParaRPr lang="en-US"/>
           </a:p>
